--- a/ppt 16-9/0307.快来就主.pptx
+++ b/ppt 16-9/0307.快来就主.pptx
@@ -129,7 +129,7 @@
           <p:cNvPr id="2" name="标题 1">
             <a:extLst>
               <a:ext uri="{FF2B5EF4-FFF2-40B4-BE49-F238E27FC236}">
-                <a16:creationId xmlns:a16="http://schemas.microsoft.com/office/drawing/2014/main" id="{8FFEBCC4-6D2A-D3C1-2475-2F48EEA29744}"/>
+                <a16:creationId xmlns:a16="http://schemas.microsoft.com/office/drawing/2014/main" id="{DDE0CDE5-CEC7-F4A1-AABF-C88E6865F6A2}"/>
               </a:ext>
             </a:extLst>
           </p:cNvPr>
@@ -166,7 +166,7 @@
           <p:cNvPr id="3" name="副标题 2">
             <a:extLst>
               <a:ext uri="{FF2B5EF4-FFF2-40B4-BE49-F238E27FC236}">
-                <a16:creationId xmlns:a16="http://schemas.microsoft.com/office/drawing/2014/main" id="{BF1057FE-A395-7265-B448-8CF11D140295}"/>
+                <a16:creationId xmlns:a16="http://schemas.microsoft.com/office/drawing/2014/main" id="{A55B7A47-40FD-32A4-F54F-C5A9D74745A8}"/>
               </a:ext>
             </a:extLst>
           </p:cNvPr>
@@ -236,7 +236,7 @@
           <p:cNvPr id="4" name="日期占位符 3">
             <a:extLst>
               <a:ext uri="{FF2B5EF4-FFF2-40B4-BE49-F238E27FC236}">
-                <a16:creationId xmlns:a16="http://schemas.microsoft.com/office/drawing/2014/main" id="{CF49489A-5A7E-84B0-8878-F0C108F514D9}"/>
+                <a16:creationId xmlns:a16="http://schemas.microsoft.com/office/drawing/2014/main" id="{D40CC5EF-A639-2B3E-4563-3FE3CA064264}"/>
               </a:ext>
             </a:extLst>
           </p:cNvPr>
@@ -252,7 +252,7 @@
           <a:bodyPr/>
           <a:lstStyle/>
           <a:p>
-            <a:fld id="{04A55A74-F960-443D-B5DC-A83B1C4797D2}" type="datetimeFigureOut">
+            <a:fld id="{3EAF7282-B871-496D-B3DE-76C07203D60B}" type="datetimeFigureOut">
               <a:rPr lang="zh-CN" altLang="en-US" smtClean="0"/>
               <a:t>2024/3/10</a:t>
             </a:fld>
@@ -265,7 +265,7 @@
           <p:cNvPr id="5" name="页脚占位符 4">
             <a:extLst>
               <a:ext uri="{FF2B5EF4-FFF2-40B4-BE49-F238E27FC236}">
-                <a16:creationId xmlns:a16="http://schemas.microsoft.com/office/drawing/2014/main" id="{3D390F49-70A9-0D0E-16F5-1A4E8825138E}"/>
+                <a16:creationId xmlns:a16="http://schemas.microsoft.com/office/drawing/2014/main" id="{98B07C36-3CD5-BA8C-5882-730C62E32DC9}"/>
               </a:ext>
             </a:extLst>
           </p:cNvPr>
@@ -290,7 +290,7 @@
           <p:cNvPr id="6" name="灯片编号占位符 5">
             <a:extLst>
               <a:ext uri="{FF2B5EF4-FFF2-40B4-BE49-F238E27FC236}">
-                <a16:creationId xmlns:a16="http://schemas.microsoft.com/office/drawing/2014/main" id="{142FA5CC-6FB3-9050-94AF-CA9A43D07689}"/>
+                <a16:creationId xmlns:a16="http://schemas.microsoft.com/office/drawing/2014/main" id="{ED2BAF1A-5702-34E6-1D2F-B05FB2E44076}"/>
               </a:ext>
             </a:extLst>
           </p:cNvPr>
@@ -306,7 +306,7 @@
           <a:bodyPr/>
           <a:lstStyle/>
           <a:p>
-            <a:fld id="{E811444A-CF9C-4BCD-AA00-D3503733D63C}" type="slidenum">
+            <a:fld id="{95013F6F-0AF7-4C9A-B4EE-2D47587A1744}" type="slidenum">
               <a:rPr lang="zh-CN" altLang="en-US" smtClean="0"/>
               <a:t>‹#›</a:t>
             </a:fld>
@@ -317,7 +317,7 @@
     </p:spTree>
     <p:extLst>
       <p:ext uri="{BB962C8B-B14F-4D97-AF65-F5344CB8AC3E}">
-        <p14:creationId xmlns:p14="http://schemas.microsoft.com/office/powerpoint/2010/main" val="2446531850"/>
+        <p14:creationId xmlns:p14="http://schemas.microsoft.com/office/powerpoint/2010/main" val="291611762"/>
       </p:ext>
     </p:extLst>
   </p:cSld>
@@ -349,7 +349,7 @@
           <p:cNvPr id="2" name="标题 1">
             <a:extLst>
               <a:ext uri="{FF2B5EF4-FFF2-40B4-BE49-F238E27FC236}">
-                <a16:creationId xmlns:a16="http://schemas.microsoft.com/office/drawing/2014/main" id="{715BBAEE-BFAC-943E-0D7A-6B87AD8A06C5}"/>
+                <a16:creationId xmlns:a16="http://schemas.microsoft.com/office/drawing/2014/main" id="{DA3F8FA6-B12C-A84D-BB15-3AA5A2C00009}"/>
               </a:ext>
             </a:extLst>
           </p:cNvPr>
@@ -377,7 +377,7 @@
           <p:cNvPr id="3" name="竖排文字占位符 2">
             <a:extLst>
               <a:ext uri="{FF2B5EF4-FFF2-40B4-BE49-F238E27FC236}">
-                <a16:creationId xmlns:a16="http://schemas.microsoft.com/office/drawing/2014/main" id="{7D575D3C-993F-DAE9-798B-4C43FA128C02}"/>
+                <a16:creationId xmlns:a16="http://schemas.microsoft.com/office/drawing/2014/main" id="{B0492802-8F71-B0EA-A782-94C989C434B9}"/>
               </a:ext>
             </a:extLst>
           </p:cNvPr>
@@ -434,7 +434,7 @@
           <p:cNvPr id="4" name="日期占位符 3">
             <a:extLst>
               <a:ext uri="{FF2B5EF4-FFF2-40B4-BE49-F238E27FC236}">
-                <a16:creationId xmlns:a16="http://schemas.microsoft.com/office/drawing/2014/main" id="{C21D6876-218F-C97E-A3EE-A97460129415}"/>
+                <a16:creationId xmlns:a16="http://schemas.microsoft.com/office/drawing/2014/main" id="{A3A3F71E-27E5-3197-C503-590093E3688D}"/>
               </a:ext>
             </a:extLst>
           </p:cNvPr>
@@ -450,7 +450,7 @@
           <a:bodyPr/>
           <a:lstStyle/>
           <a:p>
-            <a:fld id="{04A55A74-F960-443D-B5DC-A83B1C4797D2}" type="datetimeFigureOut">
+            <a:fld id="{3EAF7282-B871-496D-B3DE-76C07203D60B}" type="datetimeFigureOut">
               <a:rPr lang="zh-CN" altLang="en-US" smtClean="0"/>
               <a:t>2024/3/10</a:t>
             </a:fld>
@@ -463,7 +463,7 @@
           <p:cNvPr id="5" name="页脚占位符 4">
             <a:extLst>
               <a:ext uri="{FF2B5EF4-FFF2-40B4-BE49-F238E27FC236}">
-                <a16:creationId xmlns:a16="http://schemas.microsoft.com/office/drawing/2014/main" id="{8928F50B-EECD-62CD-CC39-E342C4C2F16E}"/>
+                <a16:creationId xmlns:a16="http://schemas.microsoft.com/office/drawing/2014/main" id="{34AE767F-265C-CEDC-C165-E06DB9B365B2}"/>
               </a:ext>
             </a:extLst>
           </p:cNvPr>
@@ -488,7 +488,7 @@
           <p:cNvPr id="6" name="灯片编号占位符 5">
             <a:extLst>
               <a:ext uri="{FF2B5EF4-FFF2-40B4-BE49-F238E27FC236}">
-                <a16:creationId xmlns:a16="http://schemas.microsoft.com/office/drawing/2014/main" id="{A6099B28-CCCD-BA0A-9CB0-5E18713A7C73}"/>
+                <a16:creationId xmlns:a16="http://schemas.microsoft.com/office/drawing/2014/main" id="{B563FD2D-2F61-06FC-81D2-2D3872B1F0DB}"/>
               </a:ext>
             </a:extLst>
           </p:cNvPr>
@@ -504,7 +504,7 @@
           <a:bodyPr/>
           <a:lstStyle/>
           <a:p>
-            <a:fld id="{E811444A-CF9C-4BCD-AA00-D3503733D63C}" type="slidenum">
+            <a:fld id="{95013F6F-0AF7-4C9A-B4EE-2D47587A1744}" type="slidenum">
               <a:rPr lang="zh-CN" altLang="en-US" smtClean="0"/>
               <a:t>‹#›</a:t>
             </a:fld>
@@ -515,7 +515,7 @@
     </p:spTree>
     <p:extLst>
       <p:ext uri="{BB962C8B-B14F-4D97-AF65-F5344CB8AC3E}">
-        <p14:creationId xmlns:p14="http://schemas.microsoft.com/office/powerpoint/2010/main" val="3373044946"/>
+        <p14:creationId xmlns:p14="http://schemas.microsoft.com/office/powerpoint/2010/main" val="2483194836"/>
       </p:ext>
     </p:extLst>
   </p:cSld>
@@ -547,7 +547,7 @@
           <p:cNvPr id="2" name="竖排标题 1">
             <a:extLst>
               <a:ext uri="{FF2B5EF4-FFF2-40B4-BE49-F238E27FC236}">
-                <a16:creationId xmlns:a16="http://schemas.microsoft.com/office/drawing/2014/main" id="{E19CE429-F0EE-AF4C-BF55-003451F3D886}"/>
+                <a16:creationId xmlns:a16="http://schemas.microsoft.com/office/drawing/2014/main" id="{3809149E-F5C1-FCB5-C1B9-DB4FB1766DE4}"/>
               </a:ext>
             </a:extLst>
           </p:cNvPr>
@@ -580,7 +580,7 @@
           <p:cNvPr id="3" name="竖排文字占位符 2">
             <a:extLst>
               <a:ext uri="{FF2B5EF4-FFF2-40B4-BE49-F238E27FC236}">
-                <a16:creationId xmlns:a16="http://schemas.microsoft.com/office/drawing/2014/main" id="{ABB3CB79-5760-7E52-EC8C-9D7C9036FD17}"/>
+                <a16:creationId xmlns:a16="http://schemas.microsoft.com/office/drawing/2014/main" id="{14EABCE3-6DBA-2AAB-C30F-5A140A3B27E5}"/>
               </a:ext>
             </a:extLst>
           </p:cNvPr>
@@ -642,7 +642,7 @@
           <p:cNvPr id="4" name="日期占位符 3">
             <a:extLst>
               <a:ext uri="{FF2B5EF4-FFF2-40B4-BE49-F238E27FC236}">
-                <a16:creationId xmlns:a16="http://schemas.microsoft.com/office/drawing/2014/main" id="{CD6016CD-5DE7-C7B0-FC2A-A5769DEC538F}"/>
+                <a16:creationId xmlns:a16="http://schemas.microsoft.com/office/drawing/2014/main" id="{D299DBA6-F5DE-9046-192E-3EBA276282D0}"/>
               </a:ext>
             </a:extLst>
           </p:cNvPr>
@@ -658,7 +658,7 @@
           <a:bodyPr/>
           <a:lstStyle/>
           <a:p>
-            <a:fld id="{04A55A74-F960-443D-B5DC-A83B1C4797D2}" type="datetimeFigureOut">
+            <a:fld id="{3EAF7282-B871-496D-B3DE-76C07203D60B}" type="datetimeFigureOut">
               <a:rPr lang="zh-CN" altLang="en-US" smtClean="0"/>
               <a:t>2024/3/10</a:t>
             </a:fld>
@@ -671,7 +671,7 @@
           <p:cNvPr id="5" name="页脚占位符 4">
             <a:extLst>
               <a:ext uri="{FF2B5EF4-FFF2-40B4-BE49-F238E27FC236}">
-                <a16:creationId xmlns:a16="http://schemas.microsoft.com/office/drawing/2014/main" id="{C4D065D7-61F8-4BD5-27B2-F9E51A988603}"/>
+                <a16:creationId xmlns:a16="http://schemas.microsoft.com/office/drawing/2014/main" id="{AED9F954-284F-4579-BDAD-CADB954BB465}"/>
               </a:ext>
             </a:extLst>
           </p:cNvPr>
@@ -696,7 +696,7 @@
           <p:cNvPr id="6" name="灯片编号占位符 5">
             <a:extLst>
               <a:ext uri="{FF2B5EF4-FFF2-40B4-BE49-F238E27FC236}">
-                <a16:creationId xmlns:a16="http://schemas.microsoft.com/office/drawing/2014/main" id="{E70E9907-29FD-CDE5-B583-D389708E4ED2}"/>
+                <a16:creationId xmlns:a16="http://schemas.microsoft.com/office/drawing/2014/main" id="{ECE92811-A181-E91A-9124-C2846AAC4831}"/>
               </a:ext>
             </a:extLst>
           </p:cNvPr>
@@ -712,7 +712,7 @@
           <a:bodyPr/>
           <a:lstStyle/>
           <a:p>
-            <a:fld id="{E811444A-CF9C-4BCD-AA00-D3503733D63C}" type="slidenum">
+            <a:fld id="{95013F6F-0AF7-4C9A-B4EE-2D47587A1744}" type="slidenum">
               <a:rPr lang="zh-CN" altLang="en-US" smtClean="0"/>
               <a:t>‹#›</a:t>
             </a:fld>
@@ -723,7 +723,7 @@
     </p:spTree>
     <p:extLst>
       <p:ext uri="{BB962C8B-B14F-4D97-AF65-F5344CB8AC3E}">
-        <p14:creationId xmlns:p14="http://schemas.microsoft.com/office/powerpoint/2010/main" val="2715150677"/>
+        <p14:creationId xmlns:p14="http://schemas.microsoft.com/office/powerpoint/2010/main" val="2519427855"/>
       </p:ext>
     </p:extLst>
   </p:cSld>
@@ -755,7 +755,7 @@
           <p:cNvPr id="2" name="标题 1">
             <a:extLst>
               <a:ext uri="{FF2B5EF4-FFF2-40B4-BE49-F238E27FC236}">
-                <a16:creationId xmlns:a16="http://schemas.microsoft.com/office/drawing/2014/main" id="{38BF1A96-8CA7-BAC5-477A-9135A5BF21A5}"/>
+                <a16:creationId xmlns:a16="http://schemas.microsoft.com/office/drawing/2014/main" id="{85645D34-FDEA-05AC-FB7C-F7F0E72E0B63}"/>
               </a:ext>
             </a:extLst>
           </p:cNvPr>
@@ -783,7 +783,7 @@
           <p:cNvPr id="3" name="内容占位符 2">
             <a:extLst>
               <a:ext uri="{FF2B5EF4-FFF2-40B4-BE49-F238E27FC236}">
-                <a16:creationId xmlns:a16="http://schemas.microsoft.com/office/drawing/2014/main" id="{C0336788-FC45-86DC-346D-B7168A5FA4BB}"/>
+                <a16:creationId xmlns:a16="http://schemas.microsoft.com/office/drawing/2014/main" id="{A454B7A6-D030-0B7A-944A-7267F8482894}"/>
               </a:ext>
             </a:extLst>
           </p:cNvPr>
@@ -840,7 +840,7 @@
           <p:cNvPr id="4" name="日期占位符 3">
             <a:extLst>
               <a:ext uri="{FF2B5EF4-FFF2-40B4-BE49-F238E27FC236}">
-                <a16:creationId xmlns:a16="http://schemas.microsoft.com/office/drawing/2014/main" id="{68605044-5D10-5E3C-D944-2E61DFAE5362}"/>
+                <a16:creationId xmlns:a16="http://schemas.microsoft.com/office/drawing/2014/main" id="{9225DB73-B29D-573D-3B5D-17F4358B8ED0}"/>
               </a:ext>
             </a:extLst>
           </p:cNvPr>
@@ -856,7 +856,7 @@
           <a:bodyPr/>
           <a:lstStyle/>
           <a:p>
-            <a:fld id="{04A55A74-F960-443D-B5DC-A83B1C4797D2}" type="datetimeFigureOut">
+            <a:fld id="{3EAF7282-B871-496D-B3DE-76C07203D60B}" type="datetimeFigureOut">
               <a:rPr lang="zh-CN" altLang="en-US" smtClean="0"/>
               <a:t>2024/3/10</a:t>
             </a:fld>
@@ -869,7 +869,7 @@
           <p:cNvPr id="5" name="页脚占位符 4">
             <a:extLst>
               <a:ext uri="{FF2B5EF4-FFF2-40B4-BE49-F238E27FC236}">
-                <a16:creationId xmlns:a16="http://schemas.microsoft.com/office/drawing/2014/main" id="{B722575B-417E-2082-00DB-A2C5C9F576D2}"/>
+                <a16:creationId xmlns:a16="http://schemas.microsoft.com/office/drawing/2014/main" id="{BA1F9BA3-44DF-41ED-E398-7F88B6F57E89}"/>
               </a:ext>
             </a:extLst>
           </p:cNvPr>
@@ -894,7 +894,7 @@
           <p:cNvPr id="6" name="灯片编号占位符 5">
             <a:extLst>
               <a:ext uri="{FF2B5EF4-FFF2-40B4-BE49-F238E27FC236}">
-                <a16:creationId xmlns:a16="http://schemas.microsoft.com/office/drawing/2014/main" id="{C893621E-D44E-FF60-03CE-35105DA1FF34}"/>
+                <a16:creationId xmlns:a16="http://schemas.microsoft.com/office/drawing/2014/main" id="{64A6864E-4203-C2FC-3793-8C40A7F5E1A2}"/>
               </a:ext>
             </a:extLst>
           </p:cNvPr>
@@ -910,7 +910,7 @@
           <a:bodyPr/>
           <a:lstStyle/>
           <a:p>
-            <a:fld id="{E811444A-CF9C-4BCD-AA00-D3503733D63C}" type="slidenum">
+            <a:fld id="{95013F6F-0AF7-4C9A-B4EE-2D47587A1744}" type="slidenum">
               <a:rPr lang="zh-CN" altLang="en-US" smtClean="0"/>
               <a:t>‹#›</a:t>
             </a:fld>
@@ -921,7 +921,7 @@
     </p:spTree>
     <p:extLst>
       <p:ext uri="{BB962C8B-B14F-4D97-AF65-F5344CB8AC3E}">
-        <p14:creationId xmlns:p14="http://schemas.microsoft.com/office/powerpoint/2010/main" val="1390814931"/>
+        <p14:creationId xmlns:p14="http://schemas.microsoft.com/office/powerpoint/2010/main" val="2543604669"/>
       </p:ext>
     </p:extLst>
   </p:cSld>
@@ -953,7 +953,7 @@
           <p:cNvPr id="2" name="标题 1">
             <a:extLst>
               <a:ext uri="{FF2B5EF4-FFF2-40B4-BE49-F238E27FC236}">
-                <a16:creationId xmlns:a16="http://schemas.microsoft.com/office/drawing/2014/main" id="{7264575B-853D-ED0C-CA8F-E30D686F3DFD}"/>
+                <a16:creationId xmlns:a16="http://schemas.microsoft.com/office/drawing/2014/main" id="{D8F47756-569B-C5B4-6D22-4F241B5040B7}"/>
               </a:ext>
             </a:extLst>
           </p:cNvPr>
@@ -990,7 +990,7 @@
           <p:cNvPr id="3" name="文本占位符 2">
             <a:extLst>
               <a:ext uri="{FF2B5EF4-FFF2-40B4-BE49-F238E27FC236}">
-                <a16:creationId xmlns:a16="http://schemas.microsoft.com/office/drawing/2014/main" id="{583881E4-6280-19CA-47D2-34D2E7D10132}"/>
+                <a16:creationId xmlns:a16="http://schemas.microsoft.com/office/drawing/2014/main" id="{208E5DFB-F2CF-4C87-78A6-C6F9BFB1AF54}"/>
               </a:ext>
             </a:extLst>
           </p:cNvPr>
@@ -1115,7 +1115,7 @@
           <p:cNvPr id="4" name="日期占位符 3">
             <a:extLst>
               <a:ext uri="{FF2B5EF4-FFF2-40B4-BE49-F238E27FC236}">
-                <a16:creationId xmlns:a16="http://schemas.microsoft.com/office/drawing/2014/main" id="{B0E12BF4-FA1C-5B71-25EE-13CC4D21F08F}"/>
+                <a16:creationId xmlns:a16="http://schemas.microsoft.com/office/drawing/2014/main" id="{C1426B8B-DC24-5D4B-1099-CB00C6174E5E}"/>
               </a:ext>
             </a:extLst>
           </p:cNvPr>
@@ -1131,7 +1131,7 @@
           <a:bodyPr/>
           <a:lstStyle/>
           <a:p>
-            <a:fld id="{04A55A74-F960-443D-B5DC-A83B1C4797D2}" type="datetimeFigureOut">
+            <a:fld id="{3EAF7282-B871-496D-B3DE-76C07203D60B}" type="datetimeFigureOut">
               <a:rPr lang="zh-CN" altLang="en-US" smtClean="0"/>
               <a:t>2024/3/10</a:t>
             </a:fld>
@@ -1144,7 +1144,7 @@
           <p:cNvPr id="5" name="页脚占位符 4">
             <a:extLst>
               <a:ext uri="{FF2B5EF4-FFF2-40B4-BE49-F238E27FC236}">
-                <a16:creationId xmlns:a16="http://schemas.microsoft.com/office/drawing/2014/main" id="{FC1BCA63-46E9-F621-FB54-78596D11338F}"/>
+                <a16:creationId xmlns:a16="http://schemas.microsoft.com/office/drawing/2014/main" id="{C0B9AABA-FD1B-D02B-6B51-3A4291D7BD31}"/>
               </a:ext>
             </a:extLst>
           </p:cNvPr>
@@ -1169,7 +1169,7 @@
           <p:cNvPr id="6" name="灯片编号占位符 5">
             <a:extLst>
               <a:ext uri="{FF2B5EF4-FFF2-40B4-BE49-F238E27FC236}">
-                <a16:creationId xmlns:a16="http://schemas.microsoft.com/office/drawing/2014/main" id="{C82600C3-E2CD-F89A-428D-91AB6B78AC57}"/>
+                <a16:creationId xmlns:a16="http://schemas.microsoft.com/office/drawing/2014/main" id="{E7EC330F-F43B-45A7-D8B5-26FBF22E305D}"/>
               </a:ext>
             </a:extLst>
           </p:cNvPr>
@@ -1185,7 +1185,7 @@
           <a:bodyPr/>
           <a:lstStyle/>
           <a:p>
-            <a:fld id="{E811444A-CF9C-4BCD-AA00-D3503733D63C}" type="slidenum">
+            <a:fld id="{95013F6F-0AF7-4C9A-B4EE-2D47587A1744}" type="slidenum">
               <a:rPr lang="zh-CN" altLang="en-US" smtClean="0"/>
               <a:t>‹#›</a:t>
             </a:fld>
@@ -1196,7 +1196,7 @@
     </p:spTree>
     <p:extLst>
       <p:ext uri="{BB962C8B-B14F-4D97-AF65-F5344CB8AC3E}">
-        <p14:creationId xmlns:p14="http://schemas.microsoft.com/office/powerpoint/2010/main" val="573988235"/>
+        <p14:creationId xmlns:p14="http://schemas.microsoft.com/office/powerpoint/2010/main" val="1826394859"/>
       </p:ext>
     </p:extLst>
   </p:cSld>
@@ -1228,7 +1228,7 @@
           <p:cNvPr id="2" name="标题 1">
             <a:extLst>
               <a:ext uri="{FF2B5EF4-FFF2-40B4-BE49-F238E27FC236}">
-                <a16:creationId xmlns:a16="http://schemas.microsoft.com/office/drawing/2014/main" id="{5CDD195A-5636-0B21-9254-722958FC669D}"/>
+                <a16:creationId xmlns:a16="http://schemas.microsoft.com/office/drawing/2014/main" id="{F89EE1CF-FE8F-F498-449A-F4AB91E901AD}"/>
               </a:ext>
             </a:extLst>
           </p:cNvPr>
@@ -1256,7 +1256,7 @@
           <p:cNvPr id="3" name="内容占位符 2">
             <a:extLst>
               <a:ext uri="{FF2B5EF4-FFF2-40B4-BE49-F238E27FC236}">
-                <a16:creationId xmlns:a16="http://schemas.microsoft.com/office/drawing/2014/main" id="{96EDB2AC-19D3-7DE6-BD30-0CDF8C66692F}"/>
+                <a16:creationId xmlns:a16="http://schemas.microsoft.com/office/drawing/2014/main" id="{B0CB40F1-46B3-DADF-50A1-8FA005C7BA85}"/>
               </a:ext>
             </a:extLst>
           </p:cNvPr>
@@ -1318,7 +1318,7 @@
           <p:cNvPr id="4" name="内容占位符 3">
             <a:extLst>
               <a:ext uri="{FF2B5EF4-FFF2-40B4-BE49-F238E27FC236}">
-                <a16:creationId xmlns:a16="http://schemas.microsoft.com/office/drawing/2014/main" id="{73FFE6CA-73BD-3EA5-016A-4B323A130AE7}"/>
+                <a16:creationId xmlns:a16="http://schemas.microsoft.com/office/drawing/2014/main" id="{FED7BFB6-129D-0E17-1482-CD572E1AF4F5}"/>
               </a:ext>
             </a:extLst>
           </p:cNvPr>
@@ -1380,7 +1380,7 @@
           <p:cNvPr id="5" name="日期占位符 4">
             <a:extLst>
               <a:ext uri="{FF2B5EF4-FFF2-40B4-BE49-F238E27FC236}">
-                <a16:creationId xmlns:a16="http://schemas.microsoft.com/office/drawing/2014/main" id="{9CEC2FAC-F774-AE5C-0EE0-E016C6BDEF6E}"/>
+                <a16:creationId xmlns:a16="http://schemas.microsoft.com/office/drawing/2014/main" id="{EE064D8F-D092-8DF5-43B4-4D0AAC193BCF}"/>
               </a:ext>
             </a:extLst>
           </p:cNvPr>
@@ -1396,7 +1396,7 @@
           <a:bodyPr/>
           <a:lstStyle/>
           <a:p>
-            <a:fld id="{04A55A74-F960-443D-B5DC-A83B1C4797D2}" type="datetimeFigureOut">
+            <a:fld id="{3EAF7282-B871-496D-B3DE-76C07203D60B}" type="datetimeFigureOut">
               <a:rPr lang="zh-CN" altLang="en-US" smtClean="0"/>
               <a:t>2024/3/10</a:t>
             </a:fld>
@@ -1409,7 +1409,7 @@
           <p:cNvPr id="6" name="页脚占位符 5">
             <a:extLst>
               <a:ext uri="{FF2B5EF4-FFF2-40B4-BE49-F238E27FC236}">
-                <a16:creationId xmlns:a16="http://schemas.microsoft.com/office/drawing/2014/main" id="{89188EE5-3AF6-0320-751D-AF2F5B1908B6}"/>
+                <a16:creationId xmlns:a16="http://schemas.microsoft.com/office/drawing/2014/main" id="{E0101BBD-30E2-126E-F688-9D2E2DDAA1AE}"/>
               </a:ext>
             </a:extLst>
           </p:cNvPr>
@@ -1434,7 +1434,7 @@
           <p:cNvPr id="7" name="灯片编号占位符 6">
             <a:extLst>
               <a:ext uri="{FF2B5EF4-FFF2-40B4-BE49-F238E27FC236}">
-                <a16:creationId xmlns:a16="http://schemas.microsoft.com/office/drawing/2014/main" id="{FD08C203-D1D8-F019-1501-E57E234AEA39}"/>
+                <a16:creationId xmlns:a16="http://schemas.microsoft.com/office/drawing/2014/main" id="{6069AD72-3A61-4962-BFE9-05DE75F18DC4}"/>
               </a:ext>
             </a:extLst>
           </p:cNvPr>
@@ -1450,7 +1450,7 @@
           <a:bodyPr/>
           <a:lstStyle/>
           <a:p>
-            <a:fld id="{E811444A-CF9C-4BCD-AA00-D3503733D63C}" type="slidenum">
+            <a:fld id="{95013F6F-0AF7-4C9A-B4EE-2D47587A1744}" type="slidenum">
               <a:rPr lang="zh-CN" altLang="en-US" smtClean="0"/>
               <a:t>‹#›</a:t>
             </a:fld>
@@ -1461,7 +1461,7 @@
     </p:spTree>
     <p:extLst>
       <p:ext uri="{BB962C8B-B14F-4D97-AF65-F5344CB8AC3E}">
-        <p14:creationId xmlns:p14="http://schemas.microsoft.com/office/powerpoint/2010/main" val="1177750553"/>
+        <p14:creationId xmlns:p14="http://schemas.microsoft.com/office/powerpoint/2010/main" val="1981009426"/>
       </p:ext>
     </p:extLst>
   </p:cSld>
@@ -1493,7 +1493,7 @@
           <p:cNvPr id="2" name="标题 1">
             <a:extLst>
               <a:ext uri="{FF2B5EF4-FFF2-40B4-BE49-F238E27FC236}">
-                <a16:creationId xmlns:a16="http://schemas.microsoft.com/office/drawing/2014/main" id="{D8CCADB8-B7A3-A066-B407-1CC0EFF35DC5}"/>
+                <a16:creationId xmlns:a16="http://schemas.microsoft.com/office/drawing/2014/main" id="{226225E4-B207-0BEC-B32C-1012448E22A7}"/>
               </a:ext>
             </a:extLst>
           </p:cNvPr>
@@ -1526,7 +1526,7 @@
           <p:cNvPr id="3" name="文本占位符 2">
             <a:extLst>
               <a:ext uri="{FF2B5EF4-FFF2-40B4-BE49-F238E27FC236}">
-                <a16:creationId xmlns:a16="http://schemas.microsoft.com/office/drawing/2014/main" id="{EAABB9F1-84A0-3AE7-AB6F-97712924891D}"/>
+                <a16:creationId xmlns:a16="http://schemas.microsoft.com/office/drawing/2014/main" id="{5ACEE39D-1516-B601-2734-560313E15E3A}"/>
               </a:ext>
             </a:extLst>
           </p:cNvPr>
@@ -1597,7 +1597,7 @@
           <p:cNvPr id="4" name="内容占位符 3">
             <a:extLst>
               <a:ext uri="{FF2B5EF4-FFF2-40B4-BE49-F238E27FC236}">
-                <a16:creationId xmlns:a16="http://schemas.microsoft.com/office/drawing/2014/main" id="{F31F4819-6E92-AE26-0AD7-AF3F48D7F058}"/>
+                <a16:creationId xmlns:a16="http://schemas.microsoft.com/office/drawing/2014/main" id="{CAE3B892-FBFD-16BF-067E-AD38684D1640}"/>
               </a:ext>
             </a:extLst>
           </p:cNvPr>
@@ -1659,7 +1659,7 @@
           <p:cNvPr id="5" name="文本占位符 4">
             <a:extLst>
               <a:ext uri="{FF2B5EF4-FFF2-40B4-BE49-F238E27FC236}">
-                <a16:creationId xmlns:a16="http://schemas.microsoft.com/office/drawing/2014/main" id="{6E7AA229-8EFE-FF9C-ADCC-C90BDEF93496}"/>
+                <a16:creationId xmlns:a16="http://schemas.microsoft.com/office/drawing/2014/main" id="{617F9BE9-7AD9-EA1A-A75F-49F7BF6A0F68}"/>
               </a:ext>
             </a:extLst>
           </p:cNvPr>
@@ -1730,7 +1730,7 @@
           <p:cNvPr id="6" name="内容占位符 5">
             <a:extLst>
               <a:ext uri="{FF2B5EF4-FFF2-40B4-BE49-F238E27FC236}">
-                <a16:creationId xmlns:a16="http://schemas.microsoft.com/office/drawing/2014/main" id="{95FCC2D6-90E6-B410-7E6B-BE827021C309}"/>
+                <a16:creationId xmlns:a16="http://schemas.microsoft.com/office/drawing/2014/main" id="{1371301F-5F5A-6341-A0FF-BE379200AD86}"/>
               </a:ext>
             </a:extLst>
           </p:cNvPr>
@@ -1792,7 +1792,7 @@
           <p:cNvPr id="7" name="日期占位符 6">
             <a:extLst>
               <a:ext uri="{FF2B5EF4-FFF2-40B4-BE49-F238E27FC236}">
-                <a16:creationId xmlns:a16="http://schemas.microsoft.com/office/drawing/2014/main" id="{C90AA0D1-AF5D-4F8E-BE85-B2C97D886BA1}"/>
+                <a16:creationId xmlns:a16="http://schemas.microsoft.com/office/drawing/2014/main" id="{CD24F00C-9401-B14D-852A-351DBBDAF852}"/>
               </a:ext>
             </a:extLst>
           </p:cNvPr>
@@ -1808,7 +1808,7 @@
           <a:bodyPr/>
           <a:lstStyle/>
           <a:p>
-            <a:fld id="{04A55A74-F960-443D-B5DC-A83B1C4797D2}" type="datetimeFigureOut">
+            <a:fld id="{3EAF7282-B871-496D-B3DE-76C07203D60B}" type="datetimeFigureOut">
               <a:rPr lang="zh-CN" altLang="en-US" smtClean="0"/>
               <a:t>2024/3/10</a:t>
             </a:fld>
@@ -1821,7 +1821,7 @@
           <p:cNvPr id="8" name="页脚占位符 7">
             <a:extLst>
               <a:ext uri="{FF2B5EF4-FFF2-40B4-BE49-F238E27FC236}">
-                <a16:creationId xmlns:a16="http://schemas.microsoft.com/office/drawing/2014/main" id="{3468659D-B698-B75A-30EE-65E61B43CE9F}"/>
+                <a16:creationId xmlns:a16="http://schemas.microsoft.com/office/drawing/2014/main" id="{E002BEAA-9C2C-4C4E-995B-8783784973E1}"/>
               </a:ext>
             </a:extLst>
           </p:cNvPr>
@@ -1846,7 +1846,7 @@
           <p:cNvPr id="9" name="灯片编号占位符 8">
             <a:extLst>
               <a:ext uri="{FF2B5EF4-FFF2-40B4-BE49-F238E27FC236}">
-                <a16:creationId xmlns:a16="http://schemas.microsoft.com/office/drawing/2014/main" id="{FBEADEE9-1B29-B629-03D5-A37F79821F5F}"/>
+                <a16:creationId xmlns:a16="http://schemas.microsoft.com/office/drawing/2014/main" id="{2A80F30E-BCD3-5720-8C59-EAF5A648EEB7}"/>
               </a:ext>
             </a:extLst>
           </p:cNvPr>
@@ -1862,7 +1862,7 @@
           <a:bodyPr/>
           <a:lstStyle/>
           <a:p>
-            <a:fld id="{E811444A-CF9C-4BCD-AA00-D3503733D63C}" type="slidenum">
+            <a:fld id="{95013F6F-0AF7-4C9A-B4EE-2D47587A1744}" type="slidenum">
               <a:rPr lang="zh-CN" altLang="en-US" smtClean="0"/>
               <a:t>‹#›</a:t>
             </a:fld>
@@ -1873,7 +1873,7 @@
     </p:spTree>
     <p:extLst>
       <p:ext uri="{BB962C8B-B14F-4D97-AF65-F5344CB8AC3E}">
-        <p14:creationId xmlns:p14="http://schemas.microsoft.com/office/powerpoint/2010/main" val="1414281991"/>
+        <p14:creationId xmlns:p14="http://schemas.microsoft.com/office/powerpoint/2010/main" val="390888526"/>
       </p:ext>
     </p:extLst>
   </p:cSld>
@@ -1905,7 +1905,7 @@
           <p:cNvPr id="2" name="标题 1">
             <a:extLst>
               <a:ext uri="{FF2B5EF4-FFF2-40B4-BE49-F238E27FC236}">
-                <a16:creationId xmlns:a16="http://schemas.microsoft.com/office/drawing/2014/main" id="{157C8D94-3BB5-C7C7-7121-D9AE0D836B4A}"/>
+                <a16:creationId xmlns:a16="http://schemas.microsoft.com/office/drawing/2014/main" id="{DF95300F-E874-E472-C425-C9FD69C72292}"/>
               </a:ext>
             </a:extLst>
           </p:cNvPr>
@@ -1933,7 +1933,7 @@
           <p:cNvPr id="3" name="日期占位符 2">
             <a:extLst>
               <a:ext uri="{FF2B5EF4-FFF2-40B4-BE49-F238E27FC236}">
-                <a16:creationId xmlns:a16="http://schemas.microsoft.com/office/drawing/2014/main" id="{D9B7CA07-6F84-0A2C-D6C9-BB01418BC96B}"/>
+                <a16:creationId xmlns:a16="http://schemas.microsoft.com/office/drawing/2014/main" id="{3C0B9A70-52C8-B10B-6E94-193C7C280702}"/>
               </a:ext>
             </a:extLst>
           </p:cNvPr>
@@ -1949,7 +1949,7 @@
           <a:bodyPr/>
           <a:lstStyle/>
           <a:p>
-            <a:fld id="{04A55A74-F960-443D-B5DC-A83B1C4797D2}" type="datetimeFigureOut">
+            <a:fld id="{3EAF7282-B871-496D-B3DE-76C07203D60B}" type="datetimeFigureOut">
               <a:rPr lang="zh-CN" altLang="en-US" smtClean="0"/>
               <a:t>2024/3/10</a:t>
             </a:fld>
@@ -1962,7 +1962,7 @@
           <p:cNvPr id="4" name="页脚占位符 3">
             <a:extLst>
               <a:ext uri="{FF2B5EF4-FFF2-40B4-BE49-F238E27FC236}">
-                <a16:creationId xmlns:a16="http://schemas.microsoft.com/office/drawing/2014/main" id="{241FE16D-3793-0B99-BD31-56643B120FBF}"/>
+                <a16:creationId xmlns:a16="http://schemas.microsoft.com/office/drawing/2014/main" id="{0EDB16C2-3428-B77A-3633-E1E4977E4416}"/>
               </a:ext>
             </a:extLst>
           </p:cNvPr>
@@ -1987,7 +1987,7 @@
           <p:cNvPr id="5" name="灯片编号占位符 4">
             <a:extLst>
               <a:ext uri="{FF2B5EF4-FFF2-40B4-BE49-F238E27FC236}">
-                <a16:creationId xmlns:a16="http://schemas.microsoft.com/office/drawing/2014/main" id="{7A4BB182-5EC8-FCF1-D035-D4B1A8A16CA8}"/>
+                <a16:creationId xmlns:a16="http://schemas.microsoft.com/office/drawing/2014/main" id="{22882A60-5DAE-FD01-E004-3400DC498A5F}"/>
               </a:ext>
             </a:extLst>
           </p:cNvPr>
@@ -2003,7 +2003,7 @@
           <a:bodyPr/>
           <a:lstStyle/>
           <a:p>
-            <a:fld id="{E811444A-CF9C-4BCD-AA00-D3503733D63C}" type="slidenum">
+            <a:fld id="{95013F6F-0AF7-4C9A-B4EE-2D47587A1744}" type="slidenum">
               <a:rPr lang="zh-CN" altLang="en-US" smtClean="0"/>
               <a:t>‹#›</a:t>
             </a:fld>
@@ -2014,7 +2014,7 @@
     </p:spTree>
     <p:extLst>
       <p:ext uri="{BB962C8B-B14F-4D97-AF65-F5344CB8AC3E}">
-        <p14:creationId xmlns:p14="http://schemas.microsoft.com/office/powerpoint/2010/main" val="2282510806"/>
+        <p14:creationId xmlns:p14="http://schemas.microsoft.com/office/powerpoint/2010/main" val="3323629292"/>
       </p:ext>
     </p:extLst>
   </p:cSld>
@@ -2046,7 +2046,7 @@
           <p:cNvPr id="2" name="日期占位符 1">
             <a:extLst>
               <a:ext uri="{FF2B5EF4-FFF2-40B4-BE49-F238E27FC236}">
-                <a16:creationId xmlns:a16="http://schemas.microsoft.com/office/drawing/2014/main" id="{4D30B28D-75BB-723F-1285-EDF2D09056BC}"/>
+                <a16:creationId xmlns:a16="http://schemas.microsoft.com/office/drawing/2014/main" id="{AF54E21E-7B51-A41B-7DC7-13A097072D0F}"/>
               </a:ext>
             </a:extLst>
           </p:cNvPr>
@@ -2062,7 +2062,7 @@
           <a:bodyPr/>
           <a:lstStyle/>
           <a:p>
-            <a:fld id="{04A55A74-F960-443D-B5DC-A83B1C4797D2}" type="datetimeFigureOut">
+            <a:fld id="{3EAF7282-B871-496D-B3DE-76C07203D60B}" type="datetimeFigureOut">
               <a:rPr lang="zh-CN" altLang="en-US" smtClean="0"/>
               <a:t>2024/3/10</a:t>
             </a:fld>
@@ -2075,7 +2075,7 @@
           <p:cNvPr id="3" name="页脚占位符 2">
             <a:extLst>
               <a:ext uri="{FF2B5EF4-FFF2-40B4-BE49-F238E27FC236}">
-                <a16:creationId xmlns:a16="http://schemas.microsoft.com/office/drawing/2014/main" id="{F52C0D15-FA0F-E5BD-8A5A-F2B6F00D9012}"/>
+                <a16:creationId xmlns:a16="http://schemas.microsoft.com/office/drawing/2014/main" id="{F6EEC8F2-6A40-F25D-9AA2-52852868D37B}"/>
               </a:ext>
             </a:extLst>
           </p:cNvPr>
@@ -2100,7 +2100,7 @@
           <p:cNvPr id="4" name="灯片编号占位符 3">
             <a:extLst>
               <a:ext uri="{FF2B5EF4-FFF2-40B4-BE49-F238E27FC236}">
-                <a16:creationId xmlns:a16="http://schemas.microsoft.com/office/drawing/2014/main" id="{14229118-0639-D434-F76D-D1A7EB3CADDE}"/>
+                <a16:creationId xmlns:a16="http://schemas.microsoft.com/office/drawing/2014/main" id="{C085686C-66DD-67AD-48DF-EF21972C9416}"/>
               </a:ext>
             </a:extLst>
           </p:cNvPr>
@@ -2116,7 +2116,7 @@
           <a:bodyPr/>
           <a:lstStyle/>
           <a:p>
-            <a:fld id="{E811444A-CF9C-4BCD-AA00-D3503733D63C}" type="slidenum">
+            <a:fld id="{95013F6F-0AF7-4C9A-B4EE-2D47587A1744}" type="slidenum">
               <a:rPr lang="zh-CN" altLang="en-US" smtClean="0"/>
               <a:t>‹#›</a:t>
             </a:fld>
@@ -2127,7 +2127,7 @@
     </p:spTree>
     <p:extLst>
       <p:ext uri="{BB962C8B-B14F-4D97-AF65-F5344CB8AC3E}">
-        <p14:creationId xmlns:p14="http://schemas.microsoft.com/office/powerpoint/2010/main" val="602749488"/>
+        <p14:creationId xmlns:p14="http://schemas.microsoft.com/office/powerpoint/2010/main" val="2231908301"/>
       </p:ext>
     </p:extLst>
   </p:cSld>
@@ -2159,7 +2159,7 @@
           <p:cNvPr id="2" name="标题 1">
             <a:extLst>
               <a:ext uri="{FF2B5EF4-FFF2-40B4-BE49-F238E27FC236}">
-                <a16:creationId xmlns:a16="http://schemas.microsoft.com/office/drawing/2014/main" id="{CA021065-5D92-50B1-72EC-2169E6003790}"/>
+                <a16:creationId xmlns:a16="http://schemas.microsoft.com/office/drawing/2014/main" id="{40969708-AA4C-384A-4498-E54DAB6C7951}"/>
               </a:ext>
             </a:extLst>
           </p:cNvPr>
@@ -2196,7 +2196,7 @@
           <p:cNvPr id="3" name="内容占位符 2">
             <a:extLst>
               <a:ext uri="{FF2B5EF4-FFF2-40B4-BE49-F238E27FC236}">
-                <a16:creationId xmlns:a16="http://schemas.microsoft.com/office/drawing/2014/main" id="{79FA26FA-FFE0-3C21-2553-838852B9D97B}"/>
+                <a16:creationId xmlns:a16="http://schemas.microsoft.com/office/drawing/2014/main" id="{D394B4D2-E749-0BE5-B201-DC52F636CA94}"/>
               </a:ext>
             </a:extLst>
           </p:cNvPr>
@@ -2286,7 +2286,7 @@
           <p:cNvPr id="4" name="文本占位符 3">
             <a:extLst>
               <a:ext uri="{FF2B5EF4-FFF2-40B4-BE49-F238E27FC236}">
-                <a16:creationId xmlns:a16="http://schemas.microsoft.com/office/drawing/2014/main" id="{8DF8A85B-ED28-48BE-21E8-CD6CDDFE8B91}"/>
+                <a16:creationId xmlns:a16="http://schemas.microsoft.com/office/drawing/2014/main" id="{5A07EAF0-B777-A164-DB17-132DFF8123DC}"/>
               </a:ext>
             </a:extLst>
           </p:cNvPr>
@@ -2357,7 +2357,7 @@
           <p:cNvPr id="5" name="日期占位符 4">
             <a:extLst>
               <a:ext uri="{FF2B5EF4-FFF2-40B4-BE49-F238E27FC236}">
-                <a16:creationId xmlns:a16="http://schemas.microsoft.com/office/drawing/2014/main" id="{0AB1450B-FAAD-6C6A-12D3-C89281CC16E8}"/>
+                <a16:creationId xmlns:a16="http://schemas.microsoft.com/office/drawing/2014/main" id="{4DAD8FF2-FBA4-9788-E1DD-6706BE66973D}"/>
               </a:ext>
             </a:extLst>
           </p:cNvPr>
@@ -2373,7 +2373,7 @@
           <a:bodyPr/>
           <a:lstStyle/>
           <a:p>
-            <a:fld id="{04A55A74-F960-443D-B5DC-A83B1C4797D2}" type="datetimeFigureOut">
+            <a:fld id="{3EAF7282-B871-496D-B3DE-76C07203D60B}" type="datetimeFigureOut">
               <a:rPr lang="zh-CN" altLang="en-US" smtClean="0"/>
               <a:t>2024/3/10</a:t>
             </a:fld>
@@ -2386,7 +2386,7 @@
           <p:cNvPr id="6" name="页脚占位符 5">
             <a:extLst>
               <a:ext uri="{FF2B5EF4-FFF2-40B4-BE49-F238E27FC236}">
-                <a16:creationId xmlns:a16="http://schemas.microsoft.com/office/drawing/2014/main" id="{9BD3C043-8FA5-3AF2-10F5-C981A5C67438}"/>
+                <a16:creationId xmlns:a16="http://schemas.microsoft.com/office/drawing/2014/main" id="{09B26FF5-DB1A-5390-A00C-2436FBEB982F}"/>
               </a:ext>
             </a:extLst>
           </p:cNvPr>
@@ -2411,7 +2411,7 @@
           <p:cNvPr id="7" name="灯片编号占位符 6">
             <a:extLst>
               <a:ext uri="{FF2B5EF4-FFF2-40B4-BE49-F238E27FC236}">
-                <a16:creationId xmlns:a16="http://schemas.microsoft.com/office/drawing/2014/main" id="{EFD38C63-E421-35BB-E4DA-A93C8BF9EC21}"/>
+                <a16:creationId xmlns:a16="http://schemas.microsoft.com/office/drawing/2014/main" id="{3DEB5045-FB89-7822-6A8C-C67E80074E12}"/>
               </a:ext>
             </a:extLst>
           </p:cNvPr>
@@ -2427,7 +2427,7 @@
           <a:bodyPr/>
           <a:lstStyle/>
           <a:p>
-            <a:fld id="{E811444A-CF9C-4BCD-AA00-D3503733D63C}" type="slidenum">
+            <a:fld id="{95013F6F-0AF7-4C9A-B4EE-2D47587A1744}" type="slidenum">
               <a:rPr lang="zh-CN" altLang="en-US" smtClean="0"/>
               <a:t>‹#›</a:t>
             </a:fld>
@@ -2438,7 +2438,7 @@
     </p:spTree>
     <p:extLst>
       <p:ext uri="{BB962C8B-B14F-4D97-AF65-F5344CB8AC3E}">
-        <p14:creationId xmlns:p14="http://schemas.microsoft.com/office/powerpoint/2010/main" val="3324594899"/>
+        <p14:creationId xmlns:p14="http://schemas.microsoft.com/office/powerpoint/2010/main" val="4073808042"/>
       </p:ext>
     </p:extLst>
   </p:cSld>
@@ -2470,7 +2470,7 @@
           <p:cNvPr id="2" name="标题 1">
             <a:extLst>
               <a:ext uri="{FF2B5EF4-FFF2-40B4-BE49-F238E27FC236}">
-                <a16:creationId xmlns:a16="http://schemas.microsoft.com/office/drawing/2014/main" id="{DFDDE960-31EE-DD3C-2440-C20732E10552}"/>
+                <a16:creationId xmlns:a16="http://schemas.microsoft.com/office/drawing/2014/main" id="{BE43B86F-67DC-53F3-E89A-F2BAFA777531}"/>
               </a:ext>
             </a:extLst>
           </p:cNvPr>
@@ -2507,7 +2507,7 @@
           <p:cNvPr id="3" name="图片占位符 2">
             <a:extLst>
               <a:ext uri="{FF2B5EF4-FFF2-40B4-BE49-F238E27FC236}">
-                <a16:creationId xmlns:a16="http://schemas.microsoft.com/office/drawing/2014/main" id="{8F773B9B-461B-FEAE-263C-41E2726E3A5D}"/>
+                <a16:creationId xmlns:a16="http://schemas.microsoft.com/office/drawing/2014/main" id="{E0E71F22-D806-B2E2-C62F-44A6262386F2}"/>
               </a:ext>
             </a:extLst>
           </p:cNvPr>
@@ -2574,7 +2574,7 @@
           <p:cNvPr id="4" name="文本占位符 3">
             <a:extLst>
               <a:ext uri="{FF2B5EF4-FFF2-40B4-BE49-F238E27FC236}">
-                <a16:creationId xmlns:a16="http://schemas.microsoft.com/office/drawing/2014/main" id="{AB2766D5-BBFF-26AF-6D07-5BE21C25698A}"/>
+                <a16:creationId xmlns:a16="http://schemas.microsoft.com/office/drawing/2014/main" id="{2928428E-B01C-E96D-1033-E4434A81120F}"/>
               </a:ext>
             </a:extLst>
           </p:cNvPr>
@@ -2645,7 +2645,7 @@
           <p:cNvPr id="5" name="日期占位符 4">
             <a:extLst>
               <a:ext uri="{FF2B5EF4-FFF2-40B4-BE49-F238E27FC236}">
-                <a16:creationId xmlns:a16="http://schemas.microsoft.com/office/drawing/2014/main" id="{EFB7E92C-204C-BC52-684C-CE7CCC61FB67}"/>
+                <a16:creationId xmlns:a16="http://schemas.microsoft.com/office/drawing/2014/main" id="{0524C001-B57E-B25C-7665-9883728E91E0}"/>
               </a:ext>
             </a:extLst>
           </p:cNvPr>
@@ -2661,7 +2661,7 @@
           <a:bodyPr/>
           <a:lstStyle/>
           <a:p>
-            <a:fld id="{04A55A74-F960-443D-B5DC-A83B1C4797D2}" type="datetimeFigureOut">
+            <a:fld id="{3EAF7282-B871-496D-B3DE-76C07203D60B}" type="datetimeFigureOut">
               <a:rPr lang="zh-CN" altLang="en-US" smtClean="0"/>
               <a:t>2024/3/10</a:t>
             </a:fld>
@@ -2674,7 +2674,7 @@
           <p:cNvPr id="6" name="页脚占位符 5">
             <a:extLst>
               <a:ext uri="{FF2B5EF4-FFF2-40B4-BE49-F238E27FC236}">
-                <a16:creationId xmlns:a16="http://schemas.microsoft.com/office/drawing/2014/main" id="{97C4B2A7-D022-87A3-E7B9-4761477825D4}"/>
+                <a16:creationId xmlns:a16="http://schemas.microsoft.com/office/drawing/2014/main" id="{E772B528-E9A3-B1D7-B0BB-76E57F7C9154}"/>
               </a:ext>
             </a:extLst>
           </p:cNvPr>
@@ -2699,7 +2699,7 @@
           <p:cNvPr id="7" name="灯片编号占位符 6">
             <a:extLst>
               <a:ext uri="{FF2B5EF4-FFF2-40B4-BE49-F238E27FC236}">
-                <a16:creationId xmlns:a16="http://schemas.microsoft.com/office/drawing/2014/main" id="{7588188B-09C8-FFD4-504D-89A1BB116330}"/>
+                <a16:creationId xmlns:a16="http://schemas.microsoft.com/office/drawing/2014/main" id="{2A32542A-E8CD-AAF2-8F15-2C2CC319F044}"/>
               </a:ext>
             </a:extLst>
           </p:cNvPr>
@@ -2715,7 +2715,7 @@
           <a:bodyPr/>
           <a:lstStyle/>
           <a:p>
-            <a:fld id="{E811444A-CF9C-4BCD-AA00-D3503733D63C}" type="slidenum">
+            <a:fld id="{95013F6F-0AF7-4C9A-B4EE-2D47587A1744}" type="slidenum">
               <a:rPr lang="zh-CN" altLang="en-US" smtClean="0"/>
               <a:t>‹#›</a:t>
             </a:fld>
@@ -2726,7 +2726,7 @@
     </p:spTree>
     <p:extLst>
       <p:ext uri="{BB962C8B-B14F-4D97-AF65-F5344CB8AC3E}">
-        <p14:creationId xmlns:p14="http://schemas.microsoft.com/office/powerpoint/2010/main" val="1752677578"/>
+        <p14:creationId xmlns:p14="http://schemas.microsoft.com/office/powerpoint/2010/main" val="3549002410"/>
       </p:ext>
     </p:extLst>
   </p:cSld>
@@ -2763,7 +2763,7 @@
           <p:cNvPr id="2" name="标题占位符 1">
             <a:extLst>
               <a:ext uri="{FF2B5EF4-FFF2-40B4-BE49-F238E27FC236}">
-                <a16:creationId xmlns:a16="http://schemas.microsoft.com/office/drawing/2014/main" id="{52BF1B1C-50EF-E561-7E40-45DF6485A60A}"/>
+                <a16:creationId xmlns:a16="http://schemas.microsoft.com/office/drawing/2014/main" id="{8C6C3374-AF99-B5BA-B0CA-F662CA1C47CE}"/>
               </a:ext>
             </a:extLst>
           </p:cNvPr>
@@ -2801,7 +2801,7 @@
           <p:cNvPr id="3" name="文本占位符 2">
             <a:extLst>
               <a:ext uri="{FF2B5EF4-FFF2-40B4-BE49-F238E27FC236}">
-                <a16:creationId xmlns:a16="http://schemas.microsoft.com/office/drawing/2014/main" id="{0BD33926-3665-6599-98FC-CD6840DE1492}"/>
+                <a16:creationId xmlns:a16="http://schemas.microsoft.com/office/drawing/2014/main" id="{E9A81AAA-FA67-A196-2ADF-6ABF519DE2FE}"/>
               </a:ext>
             </a:extLst>
           </p:cNvPr>
@@ -2868,7 +2868,7 @@
           <p:cNvPr id="4" name="日期占位符 3">
             <a:extLst>
               <a:ext uri="{FF2B5EF4-FFF2-40B4-BE49-F238E27FC236}">
-                <a16:creationId xmlns:a16="http://schemas.microsoft.com/office/drawing/2014/main" id="{ED8ABB21-170A-E9D5-C55F-8A9813DA20A4}"/>
+                <a16:creationId xmlns:a16="http://schemas.microsoft.com/office/drawing/2014/main" id="{6A77E6EC-5CB5-A652-D220-18FBBBAA8F79}"/>
               </a:ext>
             </a:extLst>
           </p:cNvPr>
@@ -2902,7 +2902,7 @@
             </a:lvl1pPr>
           </a:lstStyle>
           <a:p>
-            <a:fld id="{04A55A74-F960-443D-B5DC-A83B1C4797D2}" type="datetimeFigureOut">
+            <a:fld id="{3EAF7282-B871-496D-B3DE-76C07203D60B}" type="datetimeFigureOut">
               <a:rPr lang="zh-CN" altLang="en-US" smtClean="0"/>
               <a:t>2024/3/10</a:t>
             </a:fld>
@@ -2915,7 +2915,7 @@
           <p:cNvPr id="5" name="页脚占位符 4">
             <a:extLst>
               <a:ext uri="{FF2B5EF4-FFF2-40B4-BE49-F238E27FC236}">
-                <a16:creationId xmlns:a16="http://schemas.microsoft.com/office/drawing/2014/main" id="{8CC9C1D6-0BD7-56D2-F18A-34669BF2A7DE}"/>
+                <a16:creationId xmlns:a16="http://schemas.microsoft.com/office/drawing/2014/main" id="{E372FE7F-302B-A4A2-E10B-1D0D73C09182}"/>
               </a:ext>
             </a:extLst>
           </p:cNvPr>
@@ -2958,7 +2958,7 @@
           <p:cNvPr id="6" name="灯片编号占位符 5">
             <a:extLst>
               <a:ext uri="{FF2B5EF4-FFF2-40B4-BE49-F238E27FC236}">
-                <a16:creationId xmlns:a16="http://schemas.microsoft.com/office/drawing/2014/main" id="{E625CE3C-8975-16EB-0F2F-934A2071271F}"/>
+                <a16:creationId xmlns:a16="http://schemas.microsoft.com/office/drawing/2014/main" id="{94531B0A-826C-9840-E5FA-803AF5193749}"/>
               </a:ext>
             </a:extLst>
           </p:cNvPr>
@@ -2992,7 +2992,7 @@
             </a:lvl1pPr>
           </a:lstStyle>
           <a:p>
-            <a:fld id="{E811444A-CF9C-4BCD-AA00-D3503733D63C}" type="slidenum">
+            <a:fld id="{95013F6F-0AF7-4C9A-B4EE-2D47587A1744}" type="slidenum">
               <a:rPr lang="zh-CN" altLang="en-US" smtClean="0"/>
               <a:t>‹#›</a:t>
             </a:fld>
@@ -3003,7 +3003,7 @@
     </p:spTree>
     <p:extLst>
       <p:ext uri="{BB962C8B-B14F-4D97-AF65-F5344CB8AC3E}">
-        <p14:creationId xmlns:p14="http://schemas.microsoft.com/office/powerpoint/2010/main" val="3931854847"/>
+        <p14:creationId xmlns:p14="http://schemas.microsoft.com/office/powerpoint/2010/main" val="1473334603"/>
       </p:ext>
     </p:extLst>
   </p:cSld>
